--- a/git-training.pptx
+++ b/git-training.pptx
@@ -123,7 +123,7 @@
   </p:defaultTextStyle>
   <p:extLst>
     <p:ext uri="{EFAFB233-063F-42B5-8137-9DF3F51BA10A}">
-      <p15:sldGuideLst xmlns:p15="http://schemas.microsoft.com/office/powerpoint/2012/main"/>
+      <p15:sldGuideLst xmlns:p15="http://schemas.microsoft.com/office/powerpoint/2012/main" xmlns=""/>
     </p:ext>
   </p:extLst>
 </p:presentation>
@@ -315,7 +315,7 @@
           <a:p>
             <a:fld id="{4AAD347D-5ACD-4C99-B74B-A9C85AD731AF}" type="datetimeFigureOut">
               <a:rPr lang="en-US" dirty="0"/>
-              <a:t>9/11/18</a:t>
+              <a:t>9/13/2018</a:t>
             </a:fld>
             <a:endParaRPr lang="en-US" dirty="0"/>
           </a:p>
@@ -585,7 +585,7 @@
           <a:p>
             <a:fld id="{4509A250-FF31-4206-8172-F9D3106AACB1}" type="datetimeFigureOut">
               <a:rPr lang="en-US" dirty="0"/>
-              <a:t>9/11/18</a:t>
+              <a:t>9/13/2018</a:t>
             </a:fld>
             <a:endParaRPr lang="en-US" dirty="0"/>
           </a:p>
@@ -774,7 +774,7 @@
           <a:p>
             <a:fld id="{4509A250-FF31-4206-8172-F9D3106AACB1}" type="datetimeFigureOut">
               <a:rPr lang="en-US" dirty="0"/>
-              <a:t>9/11/18</a:t>
+              <a:t>9/13/2018</a:t>
             </a:fld>
             <a:endParaRPr lang="en-US" dirty="0"/>
           </a:p>
@@ -1042,7 +1042,7 @@
           <a:p>
             <a:fld id="{4509A250-FF31-4206-8172-F9D3106AACB1}" type="datetimeFigureOut">
               <a:rPr lang="en-US" dirty="0"/>
-              <a:t>9/11/18</a:t>
+              <a:t>9/13/2018</a:t>
             </a:fld>
             <a:endParaRPr lang="en-US" dirty="0"/>
           </a:p>
@@ -1378,7 +1378,7 @@
           <a:p>
             <a:fld id="{4509A250-FF31-4206-8172-F9D3106AACB1}" type="datetimeFigureOut">
               <a:rPr lang="en-US" dirty="0"/>
-              <a:t>9/11/18</a:t>
+              <a:t>9/13/2018</a:t>
             </a:fld>
             <a:endParaRPr lang="en-US" dirty="0"/>
           </a:p>
@@ -1996,7 +1996,7 @@
           <a:p>
             <a:fld id="{4509A250-FF31-4206-8172-F9D3106AACB1}" type="datetimeFigureOut">
               <a:rPr lang="en-US" dirty="0"/>
-              <a:t>9/11/18</a:t>
+              <a:t>9/13/2018</a:t>
             </a:fld>
             <a:endParaRPr lang="en-US" dirty="0"/>
           </a:p>
@@ -2851,7 +2851,7 @@
           <a:p>
             <a:fld id="{4509A250-FF31-4206-8172-F9D3106AACB1}" type="datetimeFigureOut">
               <a:rPr lang="en-US" dirty="0"/>
-              <a:t>9/11/18</a:t>
+              <a:t>9/13/2018</a:t>
             </a:fld>
             <a:endParaRPr lang="en-US" dirty="0"/>
           </a:p>
@@ -3016,7 +3016,7 @@
           <a:p>
             <a:fld id="{4509A250-FF31-4206-8172-F9D3106AACB1}" type="datetimeFigureOut">
               <a:rPr lang="en-US" dirty="0"/>
-              <a:t>9/11/18</a:t>
+              <a:t>9/13/2018</a:t>
             </a:fld>
             <a:endParaRPr lang="en-US" dirty="0"/>
           </a:p>
@@ -3191,7 +3191,7 @@
           <a:p>
             <a:fld id="{4509A250-FF31-4206-8172-F9D3106AACB1}" type="datetimeFigureOut">
               <a:rPr lang="en-US" dirty="0"/>
-              <a:t>9/11/18</a:t>
+              <a:t>9/13/2018</a:t>
             </a:fld>
             <a:endParaRPr lang="en-US" dirty="0"/>
           </a:p>
@@ -3356,7 +3356,7 @@
           <a:p>
             <a:fld id="{4509A250-FF31-4206-8172-F9D3106AACB1}" type="datetimeFigureOut">
               <a:rPr lang="en-US" dirty="0"/>
-              <a:t>9/11/18</a:t>
+              <a:t>9/13/2018</a:t>
             </a:fld>
             <a:endParaRPr lang="en-US" dirty="0"/>
           </a:p>
@@ -3598,7 +3598,7 @@
           <a:p>
             <a:fld id="{9796027F-7875-4030-9381-8BD8C4F21935}" type="datetimeFigureOut">
               <a:rPr lang="en-US" dirty="0"/>
-              <a:t>9/11/18</a:t>
+              <a:t>9/13/2018</a:t>
             </a:fld>
             <a:endParaRPr lang="en-US" dirty="0"/>
           </a:p>
@@ -3885,7 +3885,7 @@
           <a:p>
             <a:fld id="{9796027F-7875-4030-9381-8BD8C4F21935}" type="datetimeFigureOut">
               <a:rPr lang="en-US" dirty="0"/>
-              <a:t>9/11/18</a:t>
+              <a:t>9/13/2018</a:t>
             </a:fld>
             <a:endParaRPr lang="en-US" dirty="0"/>
           </a:p>
@@ -4324,7 +4324,7 @@
           <a:p>
             <a:fld id="{9796027F-7875-4030-9381-8BD8C4F21935}" type="datetimeFigureOut">
               <a:rPr lang="en-US" dirty="0"/>
-              <a:t>9/11/18</a:t>
+              <a:t>9/13/2018</a:t>
             </a:fld>
             <a:endParaRPr lang="en-US" dirty="0"/>
           </a:p>
@@ -4437,7 +4437,7 @@
           <a:p>
             <a:fld id="{4509A250-FF31-4206-8172-F9D3106AACB1}" type="datetimeFigureOut">
               <a:rPr lang="en-US" dirty="0"/>
-              <a:t>9/11/18</a:t>
+              <a:t>9/13/2018</a:t>
             </a:fld>
             <a:endParaRPr lang="en-US" dirty="0"/>
           </a:p>
@@ -4527,7 +4527,7 @@
           <a:p>
             <a:fld id="{4509A250-FF31-4206-8172-F9D3106AACB1}" type="datetimeFigureOut">
               <a:rPr lang="en-US" dirty="0"/>
-              <a:t>9/11/18</a:t>
+              <a:t>9/13/2018</a:t>
             </a:fld>
             <a:endParaRPr lang="en-US" dirty="0"/>
           </a:p>
@@ -4801,7 +4801,7 @@
           <a:p>
             <a:fld id="{4509A250-FF31-4206-8172-F9D3106AACB1}" type="datetimeFigureOut">
               <a:rPr lang="en-US" dirty="0"/>
-              <a:t>9/11/18</a:t>
+              <a:t>9/13/2018</a:t>
             </a:fld>
             <a:endParaRPr lang="en-US" dirty="0"/>
           </a:p>
@@ -5071,7 +5071,7 @@
           <a:p>
             <a:fld id="{4509A250-FF31-4206-8172-F9D3106AACB1}" type="datetimeFigureOut">
               <a:rPr lang="en-US" dirty="0"/>
-              <a:t>9/11/18</a:t>
+              <a:t>9/13/2018</a:t>
             </a:fld>
             <a:endParaRPr lang="en-US" dirty="0"/>
           </a:p>
@@ -5495,7 +5495,7 @@
           <a:p>
             <a:fld id="{4AAD347D-5ACD-4C99-B74B-A9C85AD731AF}" type="datetimeFigureOut">
               <a:rPr lang="en-US" dirty="0"/>
-              <a:t>9/11/18</a:t>
+              <a:t>9/13/2018</a:t>
             </a:fld>
             <a:endParaRPr lang="en-US" dirty="0"/>
           </a:p>
@@ -7993,7 +7993,7 @@
         </p:blipFill>
         <p:spPr>
           <a:xfrm>
-            <a:off x="6942221" y="1239251"/>
+            <a:off x="6408310" y="674655"/>
             <a:ext cx="4561974" cy="5474369"/>
           </a:xfrm>
           <a:prstGeom prst="rect">
@@ -10445,7 +10445,7 @@
     </a:clrScheme>
     <a:fontScheme name="Ion">
       <a:majorFont>
-        <a:latin typeface="Century Gothic" panose="020B0502020202020204"/>
+        <a:latin typeface="Century Gothic"/>
         <a:ea typeface=""/>
         <a:cs typeface=""/>
         <a:font script="Jpan" typeface="メイリオ"/>
@@ -10480,7 +10480,7 @@
         <a:font script="Geor" typeface="Sylfaen"/>
       </a:majorFont>
       <a:minorFont>
-        <a:latin typeface="Century Gothic" panose="020B0502020202020204"/>
+        <a:latin typeface="Century Gothic"/>
         <a:ea typeface=""/>
         <a:cs typeface=""/>
         <a:font script="Jpan" typeface="メイリオ"/>
@@ -10662,7 +10662,7 @@
   <a:extraClrSchemeLst/>
   <a:extLst>
     <a:ext uri="{05A4C25C-085E-4340-85A3-A5531E510DB2}">
-      <thm15:themeFamily xmlns:thm15="http://schemas.microsoft.com/office/thememl/2012/main" name="Ion" id="{B8441ADB-2E43-4AF7-B97A-BD870242C6A8}" vid="{292E63A9-BB86-4E3D-B92A-7223C6510D2E}"/>
+      <thm15:themeFamily xmlns:thm15="http://schemas.microsoft.com/office/thememl/2012/main" xmlns="" name="Ion" id="{B8441ADB-2E43-4AF7-B97A-BD870242C6A8}" vid="{292E63A9-BB86-4E3D-B92A-7223C6510D2E}"/>
     </a:ext>
   </a:extLst>
 </a:theme>
